--- a/materials/slides/ch19.pptx
+++ b/materials/slides/ch19.pptx
@@ -9,7 +9,8 @@
   </p:notesMasterIdLst>
   <p:sldIdLst>
     <p:sldId id="1152" r:id="rId3"/>
-    <p:sldId id="1153" r:id="rId5"/>
+    <p:sldId id="1155" r:id="rId5"/>
+    <p:sldId id="1153" r:id="rId6"/>
   </p:sldIdLst>
   <p:sldSz cx="12192000" cy="6858000"/>
   <p:notesSz cx="6797675" cy="9928225"/>
@@ -647,6 +648,50 @@
               <a:rPr lang="zh-CN" altLang="zh-CN" smtClean="0"/>
             </a:fld>
             <a:endParaRPr lang="zh-CN" altLang="zh-CN"/>
+          </a:p>
+        </p:txBody>
+      </p:sp>
+    </p:spTree>
+  </p:cSld>
+  <p:clrMapOvr>
+    <a:masterClrMapping/>
+  </p:clrMapOvr>
+</p:notes>
+</file>
+
+<file path=ppt/notesSlides/notesSlide2.xml><?xml version="1.0" encoding="utf-8"?>
+<p:notes xmlns:a="http://schemas.openxmlformats.org/drawingml/2006/main" xmlns:r="http://schemas.openxmlformats.org/officeDocument/2006/relationships" xmlns:p="http://schemas.openxmlformats.org/presentationml/2006/main">
+  <p:cSld>
+    <p:spTree>
+      <p:nvGrpSpPr>
+        <p:cNvPr id="1" name=""/>
+        <p:cNvGrpSpPr/>
+        <p:nvPr/>
+      </p:nvGrpSpPr>
+      <p:grpSpPr/>
+      <p:sp>
+        <p:nvSpPr>
+          <p:cNvPr id="2" name="幻灯片图像占位符 1"/>
+          <p:cNvSpPr/>
+          <p:nvPr>
+            <p:ph type="sldImg" idx="2"/>
+          </p:nvPr>
+        </p:nvSpPr>
+        <p:spPr/>
+      </p:sp>
+      <p:sp>
+        <p:nvSpPr>
+          <p:cNvPr id="3" name="文本占位符 2"/>
+          <p:cNvSpPr/>
+          <p:nvPr>
+            <p:ph type="body" idx="3"/>
+          </p:nvPr>
+        </p:nvSpPr>
+        <p:spPr/>
+        <p:txBody>
+          <a:bodyPr/>
+          <a:p>
+            <a:endParaRPr lang="zh-CN" altLang="en-US"/>
           </a:p>
         </p:txBody>
       </p:sp>
@@ -2187,6 +2232,506 @@
 </file>
 
 <file path=ppt/slides/slide2.xml><?xml version="1.0" encoding="utf-8"?>
+<p:sld xmlns:a="http://schemas.openxmlformats.org/drawingml/2006/main" xmlns:r="http://schemas.openxmlformats.org/officeDocument/2006/relationships" xmlns:p="http://schemas.openxmlformats.org/presentationml/2006/main">
+  <p:cSld>
+    <p:spTree>
+      <p:nvGrpSpPr>
+        <p:cNvPr id="1" name=""/>
+        <p:cNvGrpSpPr/>
+        <p:nvPr/>
+      </p:nvGrpSpPr>
+      <p:grpSpPr>
+        <a:xfrm>
+          <a:off x="0" y="0"/>
+          <a:ext cx="0" cy="0"/>
+          <a:chOff x="0" y="0"/>
+          <a:chExt cx="0" cy="0"/>
+        </a:xfrm>
+      </p:grpSpPr>
+      <p:sp>
+        <p:nvSpPr>
+          <p:cNvPr id="3" name="内容占位符 2"/>
+          <p:cNvSpPr>
+            <a:spLocks noGrp="1"/>
+          </p:cNvSpPr>
+          <p:nvPr/>
+        </p:nvSpPr>
+        <p:spPr>
+          <a:xfrm>
+            <a:off x="947204" y="236943"/>
+            <a:ext cx="8191557" cy="490476"/>
+          </a:xfrm>
+          <a:prstGeom prst="rect">
+            <a:avLst/>
+          </a:prstGeom>
+        </p:spPr>
+        <p:txBody>
+          <a:bodyPr/>
+          <a:lstStyle>
+            <a:lvl1pPr marL="167005" indent="-167005" algn="l" defTabSz="0" rtl="0" eaLnBrk="0" fontAlgn="base" hangingPunct="0">
+              <a:spcBef>
+                <a:spcPct val="0"/>
+              </a:spcBef>
+              <a:spcAft>
+                <a:spcPct val="15000"/>
+              </a:spcAft>
+              <a:buClr>
+                <a:schemeClr val="tx2"/>
+              </a:buClr>
+              <a:buFont typeface="Arial" panose="020B0604020202020204" pitchFamily="34" charset="0"/>
+              <a:buNone/>
+              <a:defRPr sz="3200" b="0">
+                <a:solidFill>
+                  <a:srgbClr val="C00000"/>
+                </a:solidFill>
+                <a:latin typeface="微软雅黑" panose="020B0503020204020204" pitchFamily="34" charset="-122"/>
+                <a:ea typeface="微软雅黑" panose="020B0503020204020204" pitchFamily="34" charset="-122"/>
+                <a:cs typeface="+mn-cs"/>
+              </a:defRPr>
+            </a:lvl1pPr>
+            <a:lvl2pPr marL="398780" indent="-230505" algn="l" defTabSz="0" rtl="0" eaLnBrk="0" fontAlgn="base" hangingPunct="0">
+              <a:spcBef>
+                <a:spcPct val="0"/>
+              </a:spcBef>
+              <a:spcAft>
+                <a:spcPct val="15000"/>
+              </a:spcAft>
+              <a:buClr>
+                <a:schemeClr val="tx2"/>
+              </a:buClr>
+              <a:buFont typeface="Arial" panose="020B0604020202020204" pitchFamily="34" charset="0"/>
+              <a:buChar char="–"/>
+              <a:defRPr sz="2000">
+                <a:solidFill>
+                  <a:schemeClr val="tx1"/>
+                </a:solidFill>
+                <a:latin typeface="微软雅黑" panose="020B0503020204020204" pitchFamily="34" charset="-122"/>
+                <a:ea typeface="微软雅黑" panose="020B0503020204020204" pitchFamily="34" charset="-122"/>
+              </a:defRPr>
+            </a:lvl2pPr>
+            <a:lvl3pPr marL="400050" indent="182880" algn="l" defTabSz="0" rtl="0" eaLnBrk="0" fontAlgn="base" hangingPunct="0">
+              <a:spcBef>
+                <a:spcPct val="0"/>
+              </a:spcBef>
+              <a:spcAft>
+                <a:spcPct val="15000"/>
+              </a:spcAft>
+              <a:buClr>
+                <a:schemeClr val="tx2"/>
+              </a:buClr>
+              <a:buFont typeface="Arial" panose="020B0604020202020204" pitchFamily="34" charset="0"/>
+              <a:buChar char="•"/>
+              <a:defRPr sz="1600">
+                <a:solidFill>
+                  <a:schemeClr val="tx1"/>
+                </a:solidFill>
+                <a:latin typeface="微软雅黑" panose="020B0503020204020204" pitchFamily="34" charset="-122"/>
+                <a:ea typeface="微软雅黑" panose="020B0503020204020204" pitchFamily="34" charset="-122"/>
+              </a:defRPr>
+            </a:lvl3pPr>
+            <a:lvl4pPr marL="825500" indent="-241300" algn="l" defTabSz="0" rtl="0" eaLnBrk="0" fontAlgn="base" hangingPunct="0">
+              <a:spcBef>
+                <a:spcPct val="0"/>
+              </a:spcBef>
+              <a:spcAft>
+                <a:spcPct val="15000"/>
+              </a:spcAft>
+              <a:buClr>
+                <a:schemeClr val="tx2"/>
+              </a:buClr>
+              <a:buFont typeface="Arial" panose="020B0604020202020204" pitchFamily="34" charset="0"/>
+              <a:buChar char="–"/>
+              <a:defRPr sz="1600">
+                <a:solidFill>
+                  <a:schemeClr val="tx1"/>
+                </a:solidFill>
+                <a:latin typeface="微软雅黑" panose="020B0503020204020204" pitchFamily="34" charset="-122"/>
+                <a:ea typeface="微软雅黑" panose="020B0503020204020204" pitchFamily="34" charset="-122"/>
+              </a:defRPr>
+            </a:lvl4pPr>
+            <a:lvl5pPr marL="2057400" indent="-228600" algn="l" defTabSz="0" rtl="0" eaLnBrk="0" fontAlgn="base" hangingPunct="0">
+              <a:spcBef>
+                <a:spcPct val="0"/>
+              </a:spcBef>
+              <a:spcAft>
+                <a:spcPct val="25000"/>
+              </a:spcAft>
+              <a:buClr>
+                <a:schemeClr val="tx2"/>
+              </a:buClr>
+              <a:buFont typeface="Arial" panose="020B0604020202020204" pitchFamily="34" charset="0"/>
+              <a:buChar char="–"/>
+              <a:defRPr sz="2000">
+                <a:solidFill>
+                  <a:schemeClr val="tx1"/>
+                </a:solidFill>
+                <a:latin typeface="+mn-lt"/>
+                <a:ea typeface="微软雅黑" panose="020B0503020204020204" pitchFamily="34" charset="-122"/>
+              </a:defRPr>
+            </a:lvl5pPr>
+            <a:lvl6pPr marL="2514600" indent="-228600" algn="l" defTabSz="0" rtl="0" eaLnBrk="0" fontAlgn="base" hangingPunct="0">
+              <a:spcBef>
+                <a:spcPct val="0"/>
+              </a:spcBef>
+              <a:spcAft>
+                <a:spcPct val="25000"/>
+              </a:spcAft>
+              <a:buClr>
+                <a:schemeClr val="tx2"/>
+              </a:buClr>
+              <a:buFont typeface="Arial" panose="020B0604020202020204" pitchFamily="34" charset="0"/>
+              <a:buChar char="–"/>
+              <a:defRPr>
+                <a:solidFill>
+                  <a:schemeClr val="tx1"/>
+                </a:solidFill>
+                <a:latin typeface="+mn-lt"/>
+              </a:defRPr>
+            </a:lvl6pPr>
+            <a:lvl7pPr marL="2971800" indent="-228600" algn="l" defTabSz="0" rtl="0" eaLnBrk="0" fontAlgn="base" hangingPunct="0">
+              <a:spcBef>
+                <a:spcPct val="0"/>
+              </a:spcBef>
+              <a:spcAft>
+                <a:spcPct val="25000"/>
+              </a:spcAft>
+              <a:buClr>
+                <a:schemeClr val="tx2"/>
+              </a:buClr>
+              <a:buFont typeface="Arial" panose="020B0604020202020204" pitchFamily="34" charset="0"/>
+              <a:buChar char="–"/>
+              <a:defRPr>
+                <a:solidFill>
+                  <a:schemeClr val="tx1"/>
+                </a:solidFill>
+                <a:latin typeface="+mn-lt"/>
+              </a:defRPr>
+            </a:lvl7pPr>
+            <a:lvl8pPr marL="3429000" indent="-228600" algn="l" defTabSz="0" rtl="0" eaLnBrk="0" fontAlgn="base" hangingPunct="0">
+              <a:spcBef>
+                <a:spcPct val="0"/>
+              </a:spcBef>
+              <a:spcAft>
+                <a:spcPct val="25000"/>
+              </a:spcAft>
+              <a:buClr>
+                <a:schemeClr val="tx2"/>
+              </a:buClr>
+              <a:buFont typeface="Arial" panose="020B0604020202020204" pitchFamily="34" charset="0"/>
+              <a:buChar char="–"/>
+              <a:defRPr>
+                <a:solidFill>
+                  <a:schemeClr val="tx1"/>
+                </a:solidFill>
+                <a:latin typeface="+mn-lt"/>
+              </a:defRPr>
+            </a:lvl8pPr>
+            <a:lvl9pPr marL="3886200" indent="-228600" algn="l" defTabSz="0" rtl="0" eaLnBrk="0" fontAlgn="base" hangingPunct="0">
+              <a:spcBef>
+                <a:spcPct val="0"/>
+              </a:spcBef>
+              <a:spcAft>
+                <a:spcPct val="25000"/>
+              </a:spcAft>
+              <a:buClr>
+                <a:schemeClr val="tx2"/>
+              </a:buClr>
+              <a:buFont typeface="Arial" panose="020B0604020202020204" pitchFamily="34" charset="0"/>
+              <a:buChar char="–"/>
+              <a:defRPr>
+                <a:solidFill>
+                  <a:schemeClr val="tx1"/>
+                </a:solidFill>
+                <a:latin typeface="+mn-lt"/>
+              </a:defRPr>
+            </a:lvl9pPr>
+          </a:lstStyle>
+          <a:p>
+            <a:r>
+              <a:rPr lang="zh-CN" dirty="0" smtClean="0"/>
+              <a:t>内容刚要</a:t>
+            </a:r>
+            <a:endParaRPr lang="zh-CN" dirty="0" smtClean="0"/>
+          </a:p>
+        </p:txBody>
+      </p:sp>
+      <p:sp>
+        <p:nvSpPr>
+          <p:cNvPr id="4" name="AutoShape 6"/>
+          <p:cNvSpPr>
+            <a:spLocks noChangeArrowheads="1"/>
+          </p:cNvSpPr>
+          <p:nvPr/>
+        </p:nvSpPr>
+        <p:spPr bwMode="auto">
+          <a:xfrm>
+            <a:off x="2739708" y="1261111"/>
+            <a:ext cx="6711950" cy="4214813"/>
+          </a:xfrm>
+          <a:prstGeom prst="roundRect">
+            <a:avLst>
+              <a:gd name="adj" fmla="val 16667"/>
+            </a:avLst>
+          </a:prstGeom>
+          <a:noFill/>
+          <a:ln w="28575">
+            <a:solidFill>
+              <a:srgbClr val="C0C0C0"/>
+            </a:solidFill>
+            <a:prstDash val="sysDot"/>
+            <a:round/>
+          </a:ln>
+          <a:extLst>
+            <a:ext uri="{909E8E84-426E-40DD-AFC4-6F175D3DCCD1}">
+              <a14:hiddenFill xmlns:a14="http://schemas.microsoft.com/office/drawing/2010/main">
+                <a:solidFill>
+                  <a:srgbClr val="FFFFFF"/>
+                </a:solidFill>
+              </a14:hiddenFill>
+            </a:ext>
+          </a:extLst>
+        </p:spPr>
+        <p:txBody>
+          <a:bodyPr wrap="none" anchor="ctr"/>
+          <a:lstStyle>
+            <a:lvl1pPr marL="457200" indent="-457200">
+              <a:defRPr sz="3200">
+                <a:solidFill>
+                  <a:schemeClr val="tx1"/>
+                </a:solidFill>
+                <a:latin typeface="Arial" panose="020B0604020202020204" pitchFamily="34" charset="0"/>
+                <a:ea typeface="微软雅黑" panose="020B0503020204020204" pitchFamily="34" charset="-122"/>
+              </a:defRPr>
+            </a:lvl1pPr>
+            <a:lvl2pPr marL="742950" indent="-285750">
+              <a:defRPr sz="3200">
+                <a:solidFill>
+                  <a:schemeClr val="tx1"/>
+                </a:solidFill>
+                <a:latin typeface="Arial" panose="020B0604020202020204" pitchFamily="34" charset="0"/>
+                <a:ea typeface="微软雅黑" panose="020B0503020204020204" pitchFamily="34" charset="-122"/>
+              </a:defRPr>
+            </a:lvl2pPr>
+            <a:lvl3pPr marL="1143000" indent="-228600">
+              <a:defRPr sz="3200">
+                <a:solidFill>
+                  <a:schemeClr val="tx1"/>
+                </a:solidFill>
+                <a:latin typeface="Arial" panose="020B0604020202020204" pitchFamily="34" charset="0"/>
+                <a:ea typeface="微软雅黑" panose="020B0503020204020204" pitchFamily="34" charset="-122"/>
+              </a:defRPr>
+            </a:lvl3pPr>
+            <a:lvl4pPr marL="1600200" indent="-228600">
+              <a:defRPr sz="3200">
+                <a:solidFill>
+                  <a:schemeClr val="tx1"/>
+                </a:solidFill>
+                <a:latin typeface="Arial" panose="020B0604020202020204" pitchFamily="34" charset="0"/>
+                <a:ea typeface="微软雅黑" panose="020B0503020204020204" pitchFamily="34" charset="-122"/>
+              </a:defRPr>
+            </a:lvl4pPr>
+            <a:lvl5pPr marL="2057400" indent="-228600">
+              <a:defRPr sz="3200">
+                <a:solidFill>
+                  <a:schemeClr val="tx1"/>
+                </a:solidFill>
+                <a:latin typeface="Arial" panose="020B0604020202020204" pitchFamily="34" charset="0"/>
+                <a:ea typeface="微软雅黑" panose="020B0503020204020204" pitchFamily="34" charset="-122"/>
+              </a:defRPr>
+            </a:lvl5pPr>
+            <a:lvl6pPr marL="2514600" indent="-228600" eaLnBrk="0" fontAlgn="base" hangingPunct="0">
+              <a:spcBef>
+                <a:spcPct val="0"/>
+              </a:spcBef>
+              <a:spcAft>
+                <a:spcPct val="0"/>
+              </a:spcAft>
+              <a:defRPr sz="3200">
+                <a:solidFill>
+                  <a:schemeClr val="tx1"/>
+                </a:solidFill>
+                <a:latin typeface="Arial" panose="020B0604020202020204" pitchFamily="34" charset="0"/>
+                <a:ea typeface="微软雅黑" panose="020B0503020204020204" pitchFamily="34" charset="-122"/>
+              </a:defRPr>
+            </a:lvl6pPr>
+            <a:lvl7pPr marL="2971800" indent="-228600" eaLnBrk="0" fontAlgn="base" hangingPunct="0">
+              <a:spcBef>
+                <a:spcPct val="0"/>
+              </a:spcBef>
+              <a:spcAft>
+                <a:spcPct val="0"/>
+              </a:spcAft>
+              <a:defRPr sz="3200">
+                <a:solidFill>
+                  <a:schemeClr val="tx1"/>
+                </a:solidFill>
+                <a:latin typeface="Arial" panose="020B0604020202020204" pitchFamily="34" charset="0"/>
+                <a:ea typeface="微软雅黑" panose="020B0503020204020204" pitchFamily="34" charset="-122"/>
+              </a:defRPr>
+            </a:lvl7pPr>
+            <a:lvl8pPr marL="3429000" indent="-228600" eaLnBrk="0" fontAlgn="base" hangingPunct="0">
+              <a:spcBef>
+                <a:spcPct val="0"/>
+              </a:spcBef>
+              <a:spcAft>
+                <a:spcPct val="0"/>
+              </a:spcAft>
+              <a:defRPr sz="3200">
+                <a:solidFill>
+                  <a:schemeClr val="tx1"/>
+                </a:solidFill>
+                <a:latin typeface="Arial" panose="020B0604020202020204" pitchFamily="34" charset="0"/>
+                <a:ea typeface="微软雅黑" panose="020B0503020204020204" pitchFamily="34" charset="-122"/>
+              </a:defRPr>
+            </a:lvl8pPr>
+            <a:lvl9pPr marL="3886200" indent="-228600" eaLnBrk="0" fontAlgn="base" hangingPunct="0">
+              <a:spcBef>
+                <a:spcPct val="0"/>
+              </a:spcBef>
+              <a:spcAft>
+                <a:spcPct val="0"/>
+              </a:spcAft>
+              <a:defRPr sz="3200">
+                <a:solidFill>
+                  <a:schemeClr val="tx1"/>
+                </a:solidFill>
+                <a:latin typeface="Arial" panose="020B0604020202020204" pitchFamily="34" charset="0"/>
+                <a:ea typeface="微软雅黑" panose="020B0503020204020204" pitchFamily="34" charset="-122"/>
+              </a:defRPr>
+            </a:lvl9pPr>
+          </a:lstStyle>
+          <a:p>
+            <a:pPr algn="l">
+              <a:lnSpc>
+                <a:spcPct val="150000"/>
+              </a:lnSpc>
+              <a:spcBef>
+                <a:spcPts val="1200"/>
+              </a:spcBef>
+              <a:spcAft>
+                <a:spcPts val="1200"/>
+              </a:spcAft>
+              <a:buClr>
+                <a:srgbClr val="92D050"/>
+              </a:buClr>
+              <a:buFont typeface="Wingdings" panose="05000000000000000000" pitchFamily="2" charset="2"/>
+              <a:buChar char="Ø"/>
+            </a:pPr>
+            <a:r>
+              <a:rPr lang="zh-CN" altLang="en-US" sz="2800" b="1">
+                <a:solidFill>
+                  <a:schemeClr val="accent3"/>
+                </a:solidFill>
+                <a:sym typeface="+mn-ea"/>
+              </a:rPr>
+              <a:t>创建和使用脚本</a:t>
+            </a:r>
+            <a:endParaRPr lang="zh-CN" altLang="en-US" sz="2800" b="1">
+              <a:solidFill>
+                <a:schemeClr val="tx1"/>
+              </a:solidFill>
+              <a:sym typeface="+mn-ea"/>
+            </a:endParaRPr>
+          </a:p>
+          <a:p>
+            <a:pPr algn="l">
+              <a:lnSpc>
+                <a:spcPct val="150000"/>
+              </a:lnSpc>
+              <a:spcBef>
+                <a:spcPts val="1200"/>
+              </a:spcBef>
+              <a:spcAft>
+                <a:spcPts val="1200"/>
+              </a:spcAft>
+              <a:buClr>
+                <a:srgbClr val="92D050"/>
+              </a:buClr>
+              <a:buFont typeface="Wingdings" panose="05000000000000000000" pitchFamily="2" charset="2"/>
+              <a:buChar char="Ø"/>
+            </a:pPr>
+            <a:r>
+              <a:rPr lang="zh-CN" altLang="en-US" sz="2800" b="1">
+                <a:sym typeface="+mn-ea"/>
+              </a:rPr>
+              <a:t>使用脚本控制节点和组件</a:t>
+            </a:r>
+            <a:endParaRPr lang="zh-CN" altLang="en-US" sz="2800" b="1">
+              <a:sym typeface="+mn-ea"/>
+            </a:endParaRPr>
+          </a:p>
+          <a:p>
+            <a:pPr algn="l">
+              <a:lnSpc>
+                <a:spcPct val="150000"/>
+              </a:lnSpc>
+              <a:spcBef>
+                <a:spcPts val="1200"/>
+              </a:spcBef>
+              <a:spcAft>
+                <a:spcPts val="1200"/>
+              </a:spcAft>
+              <a:buClr>
+                <a:srgbClr val="92D050"/>
+              </a:buClr>
+              <a:buFont typeface="Wingdings" panose="05000000000000000000" pitchFamily="2" charset="2"/>
+              <a:buChar char="Ø"/>
+            </a:pPr>
+            <a:r>
+              <a:rPr lang="zh-CN" altLang="en-US" sz="2800" b="1">
+                <a:sym typeface="+mn-ea"/>
+              </a:rPr>
+              <a:t>脚本的生命周期</a:t>
+            </a:r>
+            <a:endParaRPr lang="zh-CN" altLang="en-US" sz="2800" b="1">
+              <a:sym typeface="+mn-ea"/>
+            </a:endParaRPr>
+          </a:p>
+          <a:p>
+            <a:pPr algn="l">
+              <a:lnSpc>
+                <a:spcPct val="150000"/>
+              </a:lnSpc>
+              <a:spcBef>
+                <a:spcPts val="1200"/>
+              </a:spcBef>
+              <a:spcAft>
+                <a:spcPts val="1200"/>
+              </a:spcAft>
+              <a:buClr>
+                <a:srgbClr val="92D050"/>
+              </a:buClr>
+              <a:buFont typeface="Wingdings" panose="05000000000000000000" pitchFamily="2" charset="2"/>
+              <a:buChar char="Ø"/>
+            </a:pPr>
+            <a:r>
+              <a:rPr lang="zh-CN" altLang="en-US" sz="2800" b="1">
+                <a:sym typeface="+mn-ea"/>
+              </a:rPr>
+              <a:t>脚本事件处理、动作处理</a:t>
+            </a:r>
+            <a:endParaRPr lang="zh-CN" altLang="en-US" sz="2800" b="1">
+              <a:sym typeface="+mn-ea"/>
+            </a:endParaRPr>
+          </a:p>
+        </p:txBody>
+      </p:sp>
+    </p:spTree>
+  </p:cSld>
+  <p:clrMapOvr>
+    <a:masterClrMapping/>
+  </p:clrMapOvr>
+  <p:timing>
+    <p:tnLst>
+      <p:par>
+        <p:cTn id="1" dur="indefinite" restart="never" nodeType="tmRoot"/>
+      </p:par>
+    </p:tnLst>
+  </p:timing>
+</p:sld>
+</file>
+
+<file path=ppt/slides/slide3.xml><?xml version="1.0" encoding="utf-8"?>
 <p:sld xmlns:a="http://schemas.openxmlformats.org/drawingml/2006/main" xmlns:r="http://schemas.openxmlformats.org/officeDocument/2006/relationships" xmlns:p="http://schemas.openxmlformats.org/presentationml/2006/main">
   <p:cSld>
     <p:spTree>
